--- a/UE4Study04_LT02_BPTips.pptx
+++ b/UE4Study04_LT02_BPTips.pptx
@@ -151,6 +151,9 @@
     <p:ext uri="{EFAFB233-063F-42B5-8137-9DF3F51BA10A}">
       <p15:sldGuideLst xmlns:p15="http://schemas.microsoft.com/office/powerpoint/2012/main"/>
     </p:ext>
+    <p:ext uri="{2D200454-40CA-4A62-9FC3-DE9A4176ACB9}">
+      <p15:notesGuideLst xmlns:p15="http://schemas.microsoft.com/office/powerpoint/2012/main"/>
+    </p:ext>
   </p:extLst>
 </p:presentation>
 </file>
@@ -237,7 +240,7 @@
           <a:p>
             <a:fld id="{FA9C7844-E5CC-40AA-8953-B779DBDE0941}" type="datetimeFigureOut">
               <a:rPr kumimoji="1" lang="ja-JP" altLang="en-US" smtClean="0"/>
-              <a:t>2020/2/1</a:t>
+              <a:t>2020/5/24</a:t>
             </a:fld>
             <a:endParaRPr kumimoji="1" lang="ja-JP" altLang="en-US"/>
           </a:p>
@@ -688,7 +691,7 @@
           <a:p>
             <a:fld id="{FDCA61DF-41D4-409E-80CC-27F5FD000377}" type="datetime1">
               <a:rPr kumimoji="1" lang="ja-JP" altLang="en-US" smtClean="0"/>
-              <a:t>2020/2/2</a:t>
+              <a:t>2020/5/24</a:t>
             </a:fld>
             <a:endParaRPr kumimoji="1" lang="ja-JP" altLang="en-US"/>
           </a:p>
@@ -939,7 +942,7 @@
           <a:p>
             <a:fld id="{CF5E27E4-1C86-4DBF-B04B-EEA7F663308B}" type="datetime1">
               <a:rPr kumimoji="1" lang="ja-JP" altLang="en-US" smtClean="0"/>
-              <a:t>2020/2/2</a:t>
+              <a:t>2020/5/24</a:t>
             </a:fld>
             <a:endParaRPr kumimoji="1" lang="ja-JP" altLang="en-US"/>
           </a:p>
@@ -1179,7 +1182,7 @@
           <a:p>
             <a:fld id="{CC5BEB66-B851-4197-8987-B40425889DA4}" type="datetime1">
               <a:rPr kumimoji="1" lang="ja-JP" altLang="en-US" smtClean="0"/>
-              <a:t>2020/2/2</a:t>
+              <a:t>2020/5/24</a:t>
             </a:fld>
             <a:endParaRPr kumimoji="1" lang="ja-JP" altLang="en-US"/>
           </a:p>
@@ -1414,7 +1417,7 @@
           <a:p>
             <a:fld id="{C998F7D3-8DFC-4DC5-9C03-D886DEA113FD}" type="datetime1">
               <a:rPr kumimoji="1" lang="ja-JP" altLang="en-US" smtClean="0"/>
-              <a:t>2020/2/2</a:t>
+              <a:t>2020/5/24</a:t>
             </a:fld>
             <a:endParaRPr kumimoji="1" lang="ja-JP" altLang="en-US"/>
           </a:p>
@@ -1577,7 +1580,7 @@
           <a:p>
             <a:fld id="{256F463F-C423-43DA-AAB1-E06C9FC514FD}" type="datetime1">
               <a:rPr kumimoji="1" lang="ja-JP" altLang="en-US" smtClean="0"/>
-              <a:t>2020/2/2</a:t>
+              <a:t>2020/5/24</a:t>
             </a:fld>
             <a:endParaRPr kumimoji="1" lang="ja-JP" altLang="en-US"/>
           </a:p>
@@ -1857,7 +1860,7 @@
           <a:p>
             <a:fld id="{47706CA0-9ECD-482E-9DB4-388FCB72E2D3}" type="datetime1">
               <a:rPr kumimoji="1" lang="ja-JP" altLang="en-US" smtClean="0"/>
-              <a:t>2020/2/2</a:t>
+              <a:t>2020/5/24</a:t>
             </a:fld>
             <a:endParaRPr kumimoji="1" lang="ja-JP" altLang="en-US"/>
           </a:p>
@@ -2186,7 +2189,7 @@
           <a:p>
             <a:fld id="{8EB78792-FBFC-4B7E-9B4B-A6E7E0C12766}" type="datetime1">
               <a:rPr kumimoji="1" lang="ja-JP" altLang="en-US" smtClean="0"/>
-              <a:t>2020/2/2</a:t>
+              <a:t>2020/5/24</a:t>
             </a:fld>
             <a:endParaRPr kumimoji="1" lang="ja-JP" altLang="en-US"/>
           </a:p>
@@ -2662,7 +2665,7 @@
           <a:p>
             <a:fld id="{A3B336CB-BA9D-4899-A865-96D9DC5F38B6}" type="datetime1">
               <a:rPr kumimoji="1" lang="ja-JP" altLang="en-US" smtClean="0"/>
-              <a:t>2020/2/2</a:t>
+              <a:t>2020/5/24</a:t>
             </a:fld>
             <a:endParaRPr kumimoji="1" lang="ja-JP" altLang="en-US"/>
           </a:p>
@@ -2775,7 +2778,7 @@
           <a:p>
             <a:fld id="{E48E0B2B-28FC-4D8B-A7FC-9DDF4AFD9B7A}" type="datetime1">
               <a:rPr kumimoji="1" lang="ja-JP" altLang="en-US" smtClean="0"/>
-              <a:t>2020/2/2</a:t>
+              <a:t>2020/5/24</a:t>
             </a:fld>
             <a:endParaRPr kumimoji="1" lang="ja-JP" altLang="en-US"/>
           </a:p>
@@ -3118,7 +3121,7 @@
           <a:p>
             <a:fld id="{12440B1E-866D-4034-BBCE-C33C961BAA9F}" type="datetime1">
               <a:rPr kumimoji="1" lang="ja-JP" altLang="en-US" smtClean="0"/>
-              <a:t>2020/2/2</a:t>
+              <a:t>2020/5/24</a:t>
             </a:fld>
             <a:endParaRPr kumimoji="1" lang="ja-JP" altLang="en-US"/>
           </a:p>
@@ -3406,7 +3409,7 @@
           <a:p>
             <a:fld id="{4149013A-B100-4F0A-8BBE-AE69FFD30133}" type="datetime1">
               <a:rPr kumimoji="1" lang="ja-JP" altLang="en-US" smtClean="0"/>
-              <a:t>2020/2/2</a:t>
+              <a:t>2020/5/24</a:t>
             </a:fld>
             <a:endParaRPr kumimoji="1" lang="ja-JP" altLang="en-US"/>
           </a:p>
@@ -3679,7 +3682,7 @@
           <a:p>
             <a:fld id="{9AEEBED2-3E22-440B-850C-069F3B79A594}" type="datetime1">
               <a:rPr kumimoji="1" lang="ja-JP" altLang="en-US" smtClean="0"/>
-              <a:t>2020/2/2</a:t>
+              <a:t>2020/5/24</a:t>
             </a:fld>
             <a:endParaRPr kumimoji="1" lang="ja-JP" altLang="en-US"/>
           </a:p>
